--- a/docs/Sem-6/RVW-1/RSTV-24 Capstone Phase 1 Review-1 PPT_.pptx
+++ b/docs/Sem-6/RVW-1/RSTV-24 Capstone Phase 1 Review-1 PPT_.pptx
@@ -15562,7 +15562,7 @@
             <a:tbl>
               <a:tblPr>
                 <a:noFill/>
-                <a:tableStyleId>{C8A0E256-CCD6-4CCB-A047-40559611CCFC}</a:tableStyleId>
+                <a:tableStyleId>{AEF315DF-DCE7-4802-87ED-DA7A3B9C937C}</a:tableStyleId>
               </a:tblPr>
               <a:tblGrid>
                 <a:gridCol w="1260250"/>
